--- a/dsc-linux/DSConLinux.pptx
+++ b/dsc-linux/DSConLinux.pptx
@@ -6,11 +6,14 @@
   </p:sldMasterIdLst>
   <p:sldIdLst>
     <p:sldId id="256" r:id="rId2"/>
-    <p:sldId id="257" r:id="rId3"/>
-    <p:sldId id="258" r:id="rId4"/>
-    <p:sldId id="261" r:id="rId5"/>
-    <p:sldId id="259" r:id="rId6"/>
-    <p:sldId id="260" r:id="rId7"/>
+    <p:sldId id="262" r:id="rId3"/>
+    <p:sldId id="263" r:id="rId4"/>
+    <p:sldId id="257" r:id="rId5"/>
+    <p:sldId id="258" r:id="rId6"/>
+    <p:sldId id="261" r:id="rId7"/>
+    <p:sldId id="264" r:id="rId8"/>
+    <p:sldId id="259" r:id="rId9"/>
+    <p:sldId id="260" r:id="rId10"/>
   </p:sldIdLst>
   <p:sldSz cx="12192000" cy="6858000"/>
   <p:notesSz cx="6858000" cy="9144000"/>
@@ -3011,7 +3014,16 @@
           <a:bodyPr/>
           <a:lstStyle/>
           <a:p>
-            <a:endParaRPr lang="en-US"/>
+            <a:r>
+              <a:rPr lang="en-US" dirty="0"/>
+              <a:t>SAPSUG – JUNE 2017</a:t>
+            </a:r>
+          </a:p>
+          <a:p>
+            <a:r>
+              <a:rPr lang="en-US" dirty="0"/>
+              <a:t>Alex Campos</a:t>
+            </a:r>
           </a:p>
         </p:txBody>
       </p:sp>
@@ -3062,6 +3074,263 @@
           <a:p>
             <a:r>
               <a:rPr lang="en-US" dirty="0"/>
+              <a:t>Summary</a:t>
+            </a:r>
+          </a:p>
+        </p:txBody>
+      </p:sp>
+      <p:sp>
+        <p:nvSpPr>
+          <p:cNvPr id="3" name="Content Placeholder 2"/>
+          <p:cNvSpPr>
+            <a:spLocks noGrp="1"/>
+          </p:cNvSpPr>
+          <p:nvPr>
+            <p:ph idx="1"/>
+          </p:nvPr>
+        </p:nvSpPr>
+        <p:spPr/>
+        <p:txBody>
+          <a:bodyPr/>
+          <a:lstStyle/>
+          <a:p>
+            <a:r>
+              <a:rPr lang="en-US" dirty="0"/>
+              <a:t>You can write your DSC “scripts” to target Linux OS as well.</a:t>
+            </a:r>
+          </a:p>
+          <a:p>
+            <a:r>
+              <a:rPr lang="en-US" dirty="0"/>
+              <a:t>Uses custom </a:t>
+            </a:r>
+            <a:r>
+              <a:rPr lang="en-US" dirty="0" err="1"/>
+              <a:t>nx</a:t>
+            </a:r>
+            <a:r>
+              <a:rPr lang="en-US" dirty="0"/>
+              <a:t> DSC module</a:t>
+            </a:r>
+          </a:p>
+          <a:p>
+            <a:pPr marL="0" indent="0">
+              <a:buNone/>
+            </a:pPr>
+            <a:endParaRPr lang="en-US" dirty="0"/>
+          </a:p>
+        </p:txBody>
+      </p:sp>
+      <p:pic>
+        <p:nvPicPr>
+          <p:cNvPr id="6" name="Picture 5"/>
+          <p:cNvPicPr>
+            <a:picLocks noChangeAspect="1"/>
+          </p:cNvPicPr>
+          <p:nvPr/>
+        </p:nvPicPr>
+        <p:blipFill>
+          <a:blip r:embed="rId2"/>
+          <a:stretch>
+            <a:fillRect/>
+          </a:stretch>
+        </p:blipFill>
+        <p:spPr>
+          <a:xfrm>
+            <a:off x="1073020" y="3089310"/>
+            <a:ext cx="4069313" cy="2615095"/>
+          </a:xfrm>
+          <a:prstGeom prst="rect">
+            <a:avLst/>
+          </a:prstGeom>
+        </p:spPr>
+      </p:pic>
+      <p:pic>
+        <p:nvPicPr>
+          <p:cNvPr id="7" name="Picture 6"/>
+          <p:cNvPicPr>
+            <a:picLocks noChangeAspect="1"/>
+          </p:cNvPicPr>
+          <p:nvPr/>
+        </p:nvPicPr>
+        <p:blipFill>
+          <a:blip r:embed="rId3"/>
+          <a:stretch>
+            <a:fillRect/>
+          </a:stretch>
+        </p:blipFill>
+        <p:spPr>
+          <a:xfrm>
+            <a:off x="5657850" y="3089310"/>
+            <a:ext cx="5795010" cy="1557814"/>
+          </a:xfrm>
+          <a:prstGeom prst="rect">
+            <a:avLst/>
+          </a:prstGeom>
+        </p:spPr>
+      </p:pic>
+    </p:spTree>
+    <p:extLst>
+      <p:ext uri="{BB962C8B-B14F-4D97-AF65-F5344CB8AC3E}">
+        <p14:creationId xmlns:p14="http://schemas.microsoft.com/office/powerpoint/2010/main" val="4157132268"/>
+      </p:ext>
+    </p:extLst>
+  </p:cSld>
+  <p:clrMapOvr>
+    <a:masterClrMapping/>
+  </p:clrMapOvr>
+</p:sld>
+</file>
+
+<file path=ppt/slides/slide3.xml><?xml version="1.0" encoding="utf-8"?>
+<p:sld xmlns:a="http://schemas.openxmlformats.org/drawingml/2006/main" xmlns:r="http://schemas.openxmlformats.org/officeDocument/2006/relationships" xmlns:p="http://schemas.openxmlformats.org/presentationml/2006/main">
+  <p:cSld>
+    <p:spTree>
+      <p:nvGrpSpPr>
+        <p:cNvPr id="1" name=""/>
+        <p:cNvGrpSpPr/>
+        <p:nvPr/>
+      </p:nvGrpSpPr>
+      <p:grpSpPr>
+        <a:xfrm>
+          <a:off x="0" y="0"/>
+          <a:ext cx="0" cy="0"/>
+          <a:chOff x="0" y="0"/>
+          <a:chExt cx="0" cy="0"/>
+        </a:xfrm>
+      </p:grpSpPr>
+      <p:sp>
+        <p:nvSpPr>
+          <p:cNvPr id="2" name="Title 1"/>
+          <p:cNvSpPr>
+            <a:spLocks noGrp="1"/>
+          </p:cNvSpPr>
+          <p:nvPr>
+            <p:ph type="title"/>
+          </p:nvPr>
+        </p:nvSpPr>
+        <p:spPr/>
+        <p:txBody>
+          <a:bodyPr/>
+          <a:lstStyle/>
+          <a:p>
+            <a:endParaRPr lang="en-US"/>
+          </a:p>
+        </p:txBody>
+      </p:sp>
+      <p:sp>
+        <p:nvSpPr>
+          <p:cNvPr id="3" name="Content Placeholder 2"/>
+          <p:cNvSpPr>
+            <a:spLocks noGrp="1"/>
+          </p:cNvSpPr>
+          <p:nvPr>
+            <p:ph idx="1"/>
+          </p:nvPr>
+        </p:nvSpPr>
+        <p:spPr/>
+        <p:txBody>
+          <a:bodyPr/>
+          <a:lstStyle/>
+          <a:p>
+            <a:r>
+              <a:rPr lang="en-US" dirty="0"/>
+              <a:t>Deploys and enforces a pre-compiled .</a:t>
+            </a:r>
+            <a:r>
+              <a:rPr lang="en-US" dirty="0" err="1"/>
+              <a:t>mof</a:t>
+            </a:r>
+            <a:r>
+              <a:rPr lang="en-US" dirty="0"/>
+              <a:t> file (CIM Session)</a:t>
+            </a:r>
+          </a:p>
+          <a:p>
+            <a:pPr lvl="1"/>
+            <a:r>
+              <a:rPr lang="en-US" dirty="0"/>
+              <a:t>Uses Start-</a:t>
+            </a:r>
+            <a:r>
+              <a:rPr lang="en-US" dirty="0" err="1"/>
+              <a:t>DscConfiguration</a:t>
+            </a:r>
+            <a:endParaRPr lang="en-US" dirty="0"/>
+          </a:p>
+        </p:txBody>
+      </p:sp>
+      <p:pic>
+        <p:nvPicPr>
+          <p:cNvPr id="5" name="Picture 4"/>
+          <p:cNvPicPr>
+            <a:picLocks noChangeAspect="1"/>
+          </p:cNvPicPr>
+          <p:nvPr/>
+        </p:nvPicPr>
+        <p:blipFill>
+          <a:blip r:embed="rId2"/>
+          <a:stretch>
+            <a:fillRect/>
+          </a:stretch>
+        </p:blipFill>
+        <p:spPr>
+          <a:xfrm>
+            <a:off x="959498" y="2752531"/>
+            <a:ext cx="5264656" cy="1711999"/>
+          </a:xfrm>
+          <a:prstGeom prst="rect">
+            <a:avLst/>
+          </a:prstGeom>
+        </p:spPr>
+      </p:pic>
+    </p:spTree>
+    <p:extLst>
+      <p:ext uri="{BB962C8B-B14F-4D97-AF65-F5344CB8AC3E}">
+        <p14:creationId xmlns:p14="http://schemas.microsoft.com/office/powerpoint/2010/main" val="321110946"/>
+      </p:ext>
+    </p:extLst>
+  </p:cSld>
+  <p:clrMapOvr>
+    <a:masterClrMapping/>
+  </p:clrMapOvr>
+</p:sld>
+</file>
+
+<file path=ppt/slides/slide4.xml><?xml version="1.0" encoding="utf-8"?>
+<p:sld xmlns:a="http://schemas.openxmlformats.org/drawingml/2006/main" xmlns:r="http://schemas.openxmlformats.org/officeDocument/2006/relationships" xmlns:p="http://schemas.openxmlformats.org/presentationml/2006/main">
+  <p:cSld>
+    <p:spTree>
+      <p:nvGrpSpPr>
+        <p:cNvPr id="1" name=""/>
+        <p:cNvGrpSpPr/>
+        <p:nvPr/>
+      </p:nvGrpSpPr>
+      <p:grpSpPr>
+        <a:xfrm>
+          <a:off x="0" y="0"/>
+          <a:ext cx="0" cy="0"/>
+          <a:chOff x="0" y="0"/>
+          <a:chExt cx="0" cy="0"/>
+        </a:xfrm>
+      </p:grpSpPr>
+      <p:sp>
+        <p:nvSpPr>
+          <p:cNvPr id="2" name="Title 1"/>
+          <p:cNvSpPr>
+            <a:spLocks noGrp="1"/>
+          </p:cNvSpPr>
+          <p:nvPr>
+            <p:ph type="title"/>
+          </p:nvPr>
+        </p:nvSpPr>
+        <p:spPr/>
+        <p:txBody>
+          <a:bodyPr/>
+          <a:lstStyle/>
+          <a:p>
+            <a:r>
+              <a:rPr lang="en-US" dirty="0"/>
               <a:t>Supported Distributions</a:t>
             </a:r>
           </a:p>
@@ -3147,7 +3416,7 @@
 </p:sld>
 </file>
 
-<file path=ppt/slides/slide3.xml><?xml version="1.0" encoding="utf-8"?>
+<file path=ppt/slides/slide5.xml><?xml version="1.0" encoding="utf-8"?>
 <p:sld xmlns:a="http://schemas.openxmlformats.org/drawingml/2006/main" xmlns:r="http://schemas.openxmlformats.org/officeDocument/2006/relationships" xmlns:p="http://schemas.openxmlformats.org/presentationml/2006/main">
   <p:cSld>
     <p:spTree>
@@ -3225,7 +3494,7 @@
 </p:sld>
 </file>
 
-<file path=ppt/slides/slide4.xml><?xml version="1.0" encoding="utf-8"?>
+<file path=ppt/slides/slide6.xml><?xml version="1.0" encoding="utf-8"?>
 <p:sld xmlns:a="http://schemas.openxmlformats.org/drawingml/2006/main" xmlns:r="http://schemas.openxmlformats.org/officeDocument/2006/relationships" xmlns:p="http://schemas.openxmlformats.org/presentationml/2006/main">
   <p:cSld>
     <p:spTree>
@@ -3359,7 +3628,7 @@
 </p:sld>
 </file>
 
-<file path=ppt/slides/slide5.xml><?xml version="1.0" encoding="utf-8"?>
+<file path=ppt/slides/slide7.xml><?xml version="1.0" encoding="utf-8"?>
 <p:sld xmlns:a="http://schemas.openxmlformats.org/drawingml/2006/main" xmlns:r="http://schemas.openxmlformats.org/officeDocument/2006/relationships" xmlns:p="http://schemas.openxmlformats.org/presentationml/2006/main">
   <p:cSld>
     <p:spTree>
@@ -3393,6 +3662,142 @@
           <a:p>
             <a:r>
               <a:rPr lang="en-US" dirty="0"/>
+              <a:t>Installation Commands</a:t>
+            </a:r>
+          </a:p>
+        </p:txBody>
+      </p:sp>
+      <p:sp>
+        <p:nvSpPr>
+          <p:cNvPr id="3" name="Content Placeholder 2"/>
+          <p:cNvSpPr>
+            <a:spLocks noGrp="1"/>
+          </p:cNvSpPr>
+          <p:nvPr>
+            <p:ph idx="1"/>
+          </p:nvPr>
+        </p:nvSpPr>
+        <p:spPr/>
+        <p:txBody>
+          <a:bodyPr/>
+          <a:lstStyle/>
+          <a:p>
+            <a:r>
+              <a:rPr lang="en-US" dirty="0"/>
+              <a:t>Make sure you have all the pre-</a:t>
+            </a:r>
+            <a:r>
+              <a:rPr lang="en-US" dirty="0" err="1"/>
+              <a:t>reqs</a:t>
+            </a:r>
+            <a:r>
+              <a:rPr lang="en-US"/>
+              <a:t> as per: https://msdn.microsoft.com/en-us/powershell/dsc/lnxgettingstarted</a:t>
+            </a:r>
+          </a:p>
+          <a:p>
+            <a:r>
+              <a:rPr lang="en-US" dirty="0" err="1"/>
+              <a:t>sudo</a:t>
+            </a:r>
+            <a:r>
+              <a:rPr lang="en-US" dirty="0"/>
+              <a:t> rpm -</a:t>
+            </a:r>
+            <a:r>
+              <a:rPr lang="en-US" dirty="0" err="1"/>
+              <a:t>Uvh</a:t>
+            </a:r>
+            <a:r>
+              <a:rPr lang="en-US" dirty="0"/>
+              <a:t> http://packages.microsoft.com/config/rhel/7/packages-microsoft-prod.rpm</a:t>
+            </a:r>
+          </a:p>
+          <a:p>
+            <a:r>
+              <a:rPr lang="en-US" dirty="0"/>
+              <a:t>yum install omi.x86_64</a:t>
+            </a:r>
+          </a:p>
+          <a:p>
+            <a:r>
+              <a:rPr lang="en-US" dirty="0"/>
+              <a:t>cd /</a:t>
+            </a:r>
+            <a:r>
+              <a:rPr lang="en-US" dirty="0" err="1"/>
+              <a:t>usr</a:t>
+            </a:r>
+            <a:r>
+              <a:rPr lang="en-US" dirty="0"/>
+              <a:t>/local/</a:t>
+            </a:r>
+            <a:r>
+              <a:rPr lang="en-US" dirty="0" err="1"/>
+              <a:t>src</a:t>
+            </a:r>
+            <a:endParaRPr lang="en-US" dirty="0"/>
+          </a:p>
+          <a:p>
+            <a:r>
+              <a:rPr lang="en-US" dirty="0" err="1"/>
+              <a:t>wget</a:t>
+            </a:r>
+            <a:r>
+              <a:rPr lang="en-US" dirty="0"/>
+              <a:t> https://github.com/Microsoft/PowerShell-DSC-for-Linux/releases/download/v1.1.1-294/dsc-1.1.1-294.ssl_100.x64.rpm</a:t>
+            </a:r>
+            <a:endParaRPr lang="en-US" dirty="0"/>
+          </a:p>
+        </p:txBody>
+      </p:sp>
+    </p:spTree>
+    <p:extLst>
+      <p:ext uri="{BB962C8B-B14F-4D97-AF65-F5344CB8AC3E}">
+        <p14:creationId xmlns:p14="http://schemas.microsoft.com/office/powerpoint/2010/main" val="836047022"/>
+      </p:ext>
+    </p:extLst>
+  </p:cSld>
+  <p:clrMapOvr>
+    <a:masterClrMapping/>
+  </p:clrMapOvr>
+</p:sld>
+</file>
+
+<file path=ppt/slides/slide8.xml><?xml version="1.0" encoding="utf-8"?>
+<p:sld xmlns:a="http://schemas.openxmlformats.org/drawingml/2006/main" xmlns:r="http://schemas.openxmlformats.org/officeDocument/2006/relationships" xmlns:p="http://schemas.openxmlformats.org/presentationml/2006/main">
+  <p:cSld>
+    <p:spTree>
+      <p:nvGrpSpPr>
+        <p:cNvPr id="1" name=""/>
+        <p:cNvGrpSpPr/>
+        <p:nvPr/>
+      </p:nvGrpSpPr>
+      <p:grpSpPr>
+        <a:xfrm>
+          <a:off x="0" y="0"/>
+          <a:ext cx="0" cy="0"/>
+          <a:chOff x="0" y="0"/>
+          <a:chExt cx="0" cy="0"/>
+        </a:xfrm>
+      </p:grpSpPr>
+      <p:sp>
+        <p:nvSpPr>
+          <p:cNvPr id="2" name="Title 1"/>
+          <p:cNvSpPr>
+            <a:spLocks noGrp="1"/>
+          </p:cNvSpPr>
+          <p:nvPr>
+            <p:ph type="title"/>
+          </p:nvPr>
+        </p:nvSpPr>
+        <p:spPr/>
+        <p:txBody>
+          <a:bodyPr/>
+          <a:lstStyle/>
+          <a:p>
+            <a:r>
+              <a:rPr lang="en-US" dirty="0"/>
               <a:t>Create your DSC Configuration</a:t>
             </a:r>
           </a:p>
@@ -3594,7 +3999,7 @@
 </p:sld>
 </file>
 
-<file path=ppt/slides/slide6.xml><?xml version="1.0" encoding="utf-8"?>
+<file path=ppt/slides/slide9.xml><?xml version="1.0" encoding="utf-8"?>
 <p:sld xmlns:a="http://schemas.openxmlformats.org/drawingml/2006/main" xmlns:r="http://schemas.openxmlformats.org/officeDocument/2006/relationships" xmlns:p="http://schemas.openxmlformats.org/presentationml/2006/main">
   <p:cSld>
     <p:spTree>
